--- a/pics/2020-02-12-standard_error/pics.pptx
+++ b/pics/2020-02-12-standard_error/pics.pptx
@@ -7,6 +7,7 @@
   <p:sldIdLst>
     <p:sldId id="256" r:id="rId2"/>
     <p:sldId id="257" r:id="rId3"/>
+    <p:sldId id="258" r:id="rId4"/>
   </p:sldIdLst>
   <p:sldSz cx="12192000" cy="6858000"/>
   <p:notesSz cx="6858000" cy="9144000"/>
@@ -3425,6 +3426,66 @@
 </p:sld>
 </file>
 
+<file path=ppt/slides/slide3.xml><?xml version="1.0" encoding="utf-8"?>
+<p:sld xmlns:a="http://schemas.openxmlformats.org/drawingml/2006/main" xmlns:r="http://schemas.openxmlformats.org/officeDocument/2006/relationships" xmlns:p="http://schemas.openxmlformats.org/presentationml/2006/main">
+  <p:cSld>
+    <p:spTree>
+      <p:nvGrpSpPr>
+        <p:cNvPr id="1" name=""/>
+        <p:cNvGrpSpPr/>
+        <p:nvPr/>
+      </p:nvGrpSpPr>
+      <p:grpSpPr>
+        <a:xfrm>
+          <a:off x="0" y="0"/>
+          <a:ext cx="0" cy="0"/>
+          <a:chOff x="0" y="0"/>
+          <a:chExt cx="0" cy="0"/>
+        </a:xfrm>
+      </p:grpSpPr>
+      <p:pic>
+        <p:nvPicPr>
+          <p:cNvPr id="4" name="그림 3">
+            <a:extLst>
+              <a:ext uri="{FF2B5EF4-FFF2-40B4-BE49-F238E27FC236}">
+                <a16:creationId xmlns:a16="http://schemas.microsoft.com/office/drawing/2014/main" id="{89098B10-2E81-4322-8988-50AAB0E24A7B}"/>
+              </a:ext>
+            </a:extLst>
+          </p:cNvPr>
+          <p:cNvPicPr>
+            <a:picLocks noChangeAspect="1"/>
+          </p:cNvPicPr>
+          <p:nvPr/>
+        </p:nvPicPr>
+        <p:blipFill>
+          <a:blip r:embed="rId2"/>
+          <a:stretch>
+            <a:fillRect/>
+          </a:stretch>
+        </p:blipFill>
+        <p:spPr>
+          <a:xfrm>
+            <a:off x="1847437" y="1761200"/>
+            <a:ext cx="8497126" cy="3335600"/>
+          </a:xfrm>
+          <a:prstGeom prst="rect">
+            <a:avLst/>
+          </a:prstGeom>
+        </p:spPr>
+      </p:pic>
+    </p:spTree>
+    <p:extLst>
+      <p:ext uri="{BB962C8B-B14F-4D97-AF65-F5344CB8AC3E}">
+        <p14:creationId xmlns:p14="http://schemas.microsoft.com/office/powerpoint/2010/main" val="3407241833"/>
+      </p:ext>
+    </p:extLst>
+  </p:cSld>
+  <p:clrMapOvr>
+    <a:masterClrMapping/>
+  </p:clrMapOvr>
+</p:sld>
+</file>
+
 <file path=ppt/theme/theme1.xml><?xml version="1.0" encoding="utf-8"?>
 <a:theme xmlns:a="http://schemas.openxmlformats.org/drawingml/2006/main" name="Office 테마">
   <a:themeElements>

--- a/pics/2020-02-12-standard_error/pics.pptx
+++ b/pics/2020-02-12-standard_error/pics.pptx
@@ -6,8 +6,11 @@
   </p:sldMasterIdLst>
   <p:sldIdLst>
     <p:sldId id="256" r:id="rId2"/>
-    <p:sldId id="257" r:id="rId3"/>
-    <p:sldId id="258" r:id="rId4"/>
+    <p:sldId id="259" r:id="rId3"/>
+    <p:sldId id="257" r:id="rId4"/>
+    <p:sldId id="260" r:id="rId5"/>
+    <p:sldId id="258" r:id="rId6"/>
+    <p:sldId id="261" r:id="rId7"/>
   </p:sldIdLst>
   <p:sldSz cx="12192000" cy="6858000"/>
   <p:notesSz cx="6858000" cy="9144000"/>
@@ -106,6 +109,11 @@
       </a:defRPr>
     </a:lvl9pPr>
   </p:defaultTextStyle>
+  <p:extLst>
+    <p:ext uri="{EFAFB233-063F-42B5-8137-9DF3F51BA10A}">
+      <p15:sldGuideLst xmlns:p15="http://schemas.microsoft.com/office/powerpoint/2012/main"/>
+    </p:ext>
+  </p:extLst>
 </p:presentation>
 </file>
 
@@ -256,7 +264,7 @@
           <a:p>
             <a:fld id="{0BCE96B7-C5EF-47FB-B7A9-290DDD9B2387}" type="datetimeFigureOut">
               <a:rPr lang="ko-KR" altLang="en-US" smtClean="0"/>
-              <a:t>2020-02-15</a:t>
+              <a:t>2023-04-24</a:t>
             </a:fld>
             <a:endParaRPr lang="ko-KR" altLang="en-US"/>
           </a:p>
@@ -454,7 +462,7 @@
           <a:p>
             <a:fld id="{0BCE96B7-C5EF-47FB-B7A9-290DDD9B2387}" type="datetimeFigureOut">
               <a:rPr lang="ko-KR" altLang="en-US" smtClean="0"/>
-              <a:t>2020-02-15</a:t>
+              <a:t>2023-04-24</a:t>
             </a:fld>
             <a:endParaRPr lang="ko-KR" altLang="en-US"/>
           </a:p>
@@ -662,7 +670,7 @@
           <a:p>
             <a:fld id="{0BCE96B7-C5EF-47FB-B7A9-290DDD9B2387}" type="datetimeFigureOut">
               <a:rPr lang="ko-KR" altLang="en-US" smtClean="0"/>
-              <a:t>2020-02-15</a:t>
+              <a:t>2023-04-24</a:t>
             </a:fld>
             <a:endParaRPr lang="ko-KR" altLang="en-US"/>
           </a:p>
@@ -860,7 +868,7 @@
           <a:p>
             <a:fld id="{0BCE96B7-C5EF-47FB-B7A9-290DDD9B2387}" type="datetimeFigureOut">
               <a:rPr lang="ko-KR" altLang="en-US" smtClean="0"/>
-              <a:t>2020-02-15</a:t>
+              <a:t>2023-04-24</a:t>
             </a:fld>
             <a:endParaRPr lang="ko-KR" altLang="en-US"/>
           </a:p>
@@ -1135,7 +1143,7 @@
           <a:p>
             <a:fld id="{0BCE96B7-C5EF-47FB-B7A9-290DDD9B2387}" type="datetimeFigureOut">
               <a:rPr lang="ko-KR" altLang="en-US" smtClean="0"/>
-              <a:t>2020-02-15</a:t>
+              <a:t>2023-04-24</a:t>
             </a:fld>
             <a:endParaRPr lang="ko-KR" altLang="en-US"/>
           </a:p>
@@ -1400,7 +1408,7 @@
           <a:p>
             <a:fld id="{0BCE96B7-C5EF-47FB-B7A9-290DDD9B2387}" type="datetimeFigureOut">
               <a:rPr lang="ko-KR" altLang="en-US" smtClean="0"/>
-              <a:t>2020-02-15</a:t>
+              <a:t>2023-04-24</a:t>
             </a:fld>
             <a:endParaRPr lang="ko-KR" altLang="en-US"/>
           </a:p>
@@ -1812,7 +1820,7 @@
           <a:p>
             <a:fld id="{0BCE96B7-C5EF-47FB-B7A9-290DDD9B2387}" type="datetimeFigureOut">
               <a:rPr lang="ko-KR" altLang="en-US" smtClean="0"/>
-              <a:t>2020-02-15</a:t>
+              <a:t>2023-04-24</a:t>
             </a:fld>
             <a:endParaRPr lang="ko-KR" altLang="en-US"/>
           </a:p>
@@ -1953,7 +1961,7 @@
           <a:p>
             <a:fld id="{0BCE96B7-C5EF-47FB-B7A9-290DDD9B2387}" type="datetimeFigureOut">
               <a:rPr lang="ko-KR" altLang="en-US" smtClean="0"/>
-              <a:t>2020-02-15</a:t>
+              <a:t>2023-04-24</a:t>
             </a:fld>
             <a:endParaRPr lang="ko-KR" altLang="en-US"/>
           </a:p>
@@ -2066,7 +2074,7 @@
           <a:p>
             <a:fld id="{0BCE96B7-C5EF-47FB-B7A9-290DDD9B2387}" type="datetimeFigureOut">
               <a:rPr lang="ko-KR" altLang="en-US" smtClean="0"/>
-              <a:t>2020-02-15</a:t>
+              <a:t>2023-04-24</a:t>
             </a:fld>
             <a:endParaRPr lang="ko-KR" altLang="en-US"/>
           </a:p>
@@ -2377,7 +2385,7 @@
           <a:p>
             <a:fld id="{0BCE96B7-C5EF-47FB-B7A9-290DDD9B2387}" type="datetimeFigureOut">
               <a:rPr lang="ko-KR" altLang="en-US" smtClean="0"/>
-              <a:t>2020-02-15</a:t>
+              <a:t>2023-04-24</a:t>
             </a:fld>
             <a:endParaRPr lang="ko-KR" altLang="en-US"/>
           </a:p>
@@ -2665,7 +2673,7 @@
           <a:p>
             <a:fld id="{0BCE96B7-C5EF-47FB-B7A9-290DDD9B2387}" type="datetimeFigureOut">
               <a:rPr lang="ko-KR" altLang="en-US" smtClean="0"/>
-              <a:t>2020-02-15</a:t>
+              <a:t>2023-04-24</a:t>
             </a:fld>
             <a:endParaRPr lang="ko-KR" altLang="en-US"/>
           </a:p>
@@ -2906,7 +2914,7 @@
           <a:p>
             <a:fld id="{0BCE96B7-C5EF-47FB-B7A9-290DDD9B2387}" type="datetimeFigureOut">
               <a:rPr lang="ko-KR" altLang="en-US" smtClean="0"/>
-              <a:t>2020-02-15</a:t>
+              <a:t>2023-04-24</a:t>
             </a:fld>
             <a:endParaRPr lang="ko-KR" altLang="en-US"/>
           </a:p>
@@ -3388,6 +3396,104 @@
           <p:cNvPr id="4" name="그림 3">
             <a:extLst>
               <a:ext uri="{FF2B5EF4-FFF2-40B4-BE49-F238E27FC236}">
+                <a16:creationId xmlns:a16="http://schemas.microsoft.com/office/drawing/2014/main" id="{94F67380-3402-4A7F-B891-5DC7650C86C4}"/>
+              </a:ext>
+            </a:extLst>
+          </p:cNvPr>
+          <p:cNvPicPr>
+            <a:picLocks noChangeAspect="1"/>
+          </p:cNvPicPr>
+          <p:nvPr/>
+        </p:nvPicPr>
+        <p:blipFill>
+          <a:blip r:embed="rId2"/>
+          <a:stretch>
+            <a:fillRect/>
+          </a:stretch>
+        </p:blipFill>
+        <p:spPr>
+          <a:xfrm>
+            <a:off x="3917249" y="1801500"/>
+            <a:ext cx="4357501" cy="3255000"/>
+          </a:xfrm>
+          <a:prstGeom prst="rect">
+            <a:avLst/>
+          </a:prstGeom>
+        </p:spPr>
+      </p:pic>
+      <p:sp>
+        <p:nvSpPr>
+          <p:cNvPr id="2" name="TextBox 1">
+            <a:extLst>
+              <a:ext uri="{FF2B5EF4-FFF2-40B4-BE49-F238E27FC236}">
+                <a16:creationId xmlns:a16="http://schemas.microsoft.com/office/drawing/2014/main" id="{034F913E-4E24-3F9E-0209-278C86D67D95}"/>
+              </a:ext>
+            </a:extLst>
+          </p:cNvPr>
+          <p:cNvSpPr txBox="1"/>
+          <p:nvPr/>
+        </p:nvSpPr>
+        <p:spPr>
+          <a:xfrm>
+            <a:off x="4616128" y="1712084"/>
+            <a:ext cx="3155351" cy="307777"/>
+          </a:xfrm>
+          <a:prstGeom prst="rect">
+            <a:avLst/>
+          </a:prstGeom>
+          <a:solidFill>
+            <a:schemeClr val="bg1"/>
+          </a:solidFill>
+        </p:spPr>
+        <p:txBody>
+          <a:bodyPr wrap="none" rtlCol="0">
+            <a:spAutoFit/>
+          </a:bodyPr>
+          <a:lstStyle/>
+          <a:p>
+            <a:pPr algn="ctr"/>
+            <a:r>
+              <a:rPr lang="en-US" sz="1400" dirty="0"/>
+              <a:t>Height of 150 aliens living on Venus</a:t>
+            </a:r>
+          </a:p>
+        </p:txBody>
+      </p:sp>
+    </p:spTree>
+    <p:extLst>
+      <p:ext uri="{BB962C8B-B14F-4D97-AF65-F5344CB8AC3E}">
+        <p14:creationId xmlns:p14="http://schemas.microsoft.com/office/powerpoint/2010/main" val="1698417027"/>
+      </p:ext>
+    </p:extLst>
+  </p:cSld>
+  <p:clrMapOvr>
+    <a:masterClrMapping/>
+  </p:clrMapOvr>
+</p:sld>
+</file>
+
+<file path=ppt/slides/slide3.xml><?xml version="1.0" encoding="utf-8"?>
+<p:sld xmlns:a="http://schemas.openxmlformats.org/drawingml/2006/main" xmlns:r="http://schemas.openxmlformats.org/officeDocument/2006/relationships" xmlns:p="http://schemas.openxmlformats.org/presentationml/2006/main">
+  <p:cSld>
+    <p:spTree>
+      <p:nvGrpSpPr>
+        <p:cNvPr id="1" name=""/>
+        <p:cNvGrpSpPr/>
+        <p:nvPr/>
+      </p:nvGrpSpPr>
+      <p:grpSpPr>
+        <a:xfrm>
+          <a:off x="0" y="0"/>
+          <a:ext cx="0" cy="0"/>
+          <a:chOff x="0" y="0"/>
+          <a:chExt cx="0" cy="0"/>
+        </a:xfrm>
+      </p:grpSpPr>
+      <p:pic>
+        <p:nvPicPr>
+          <p:cNvPr id="4" name="그림 3">
+            <a:extLst>
+              <a:ext uri="{FF2B5EF4-FFF2-40B4-BE49-F238E27FC236}">
                 <a16:creationId xmlns:a16="http://schemas.microsoft.com/office/drawing/2014/main" id="{393A2242-38FC-42ED-9E16-0F44F6E9F213}"/>
               </a:ext>
             </a:extLst>
@@ -3426,7 +3532,105 @@
 </p:sld>
 </file>
 
-<file path=ppt/slides/slide3.xml><?xml version="1.0" encoding="utf-8"?>
+<file path=ppt/slides/slide4.xml><?xml version="1.0" encoding="utf-8"?>
+<p:sld xmlns:a="http://schemas.openxmlformats.org/drawingml/2006/main" xmlns:r="http://schemas.openxmlformats.org/officeDocument/2006/relationships" xmlns:p="http://schemas.openxmlformats.org/presentationml/2006/main">
+  <p:cSld>
+    <p:spTree>
+      <p:nvGrpSpPr>
+        <p:cNvPr id="1" name=""/>
+        <p:cNvGrpSpPr/>
+        <p:nvPr/>
+      </p:nvGrpSpPr>
+      <p:grpSpPr>
+        <a:xfrm>
+          <a:off x="0" y="0"/>
+          <a:ext cx="0" cy="0"/>
+          <a:chOff x="0" y="0"/>
+          <a:chExt cx="0" cy="0"/>
+        </a:xfrm>
+      </p:grpSpPr>
+      <p:pic>
+        <p:nvPicPr>
+          <p:cNvPr id="4" name="그림 3">
+            <a:extLst>
+              <a:ext uri="{FF2B5EF4-FFF2-40B4-BE49-F238E27FC236}">
+                <a16:creationId xmlns:a16="http://schemas.microsoft.com/office/drawing/2014/main" id="{393A2242-38FC-42ED-9E16-0F44F6E9F213}"/>
+              </a:ext>
+            </a:extLst>
+          </p:cNvPr>
+          <p:cNvPicPr>
+            <a:picLocks noChangeAspect="1"/>
+          </p:cNvPicPr>
+          <p:nvPr/>
+        </p:nvPicPr>
+        <p:blipFill>
+          <a:blip r:embed="rId2"/>
+          <a:stretch>
+            <a:fillRect/>
+          </a:stretch>
+        </p:blipFill>
+        <p:spPr>
+          <a:xfrm>
+            <a:off x="3917249" y="1801500"/>
+            <a:ext cx="4357501" cy="3255000"/>
+          </a:xfrm>
+          <a:prstGeom prst="rect">
+            <a:avLst/>
+          </a:prstGeom>
+        </p:spPr>
+      </p:pic>
+      <p:sp>
+        <p:nvSpPr>
+          <p:cNvPr id="2" name="TextBox 1">
+            <a:extLst>
+              <a:ext uri="{FF2B5EF4-FFF2-40B4-BE49-F238E27FC236}">
+                <a16:creationId xmlns:a16="http://schemas.microsoft.com/office/drawing/2014/main" id="{6F9C5C2E-7B02-6C77-A592-9A84219582DD}"/>
+              </a:ext>
+            </a:extLst>
+          </p:cNvPr>
+          <p:cNvSpPr txBox="1"/>
+          <p:nvPr/>
+        </p:nvSpPr>
+        <p:spPr>
+          <a:xfrm>
+            <a:off x="5181512" y="1712084"/>
+            <a:ext cx="2024593" cy="307777"/>
+          </a:xfrm>
+          <a:prstGeom prst="rect">
+            <a:avLst/>
+          </a:prstGeom>
+          <a:solidFill>
+            <a:schemeClr val="bg1"/>
+          </a:solidFill>
+        </p:spPr>
+        <p:txBody>
+          <a:bodyPr wrap="none" rtlCol="0">
+            <a:spAutoFit/>
+          </a:bodyPr>
+          <a:lstStyle/>
+          <a:p>
+            <a:pPr algn="ctr"/>
+            <a:r>
+              <a:rPr lang="en-US" sz="1400" dirty="0"/>
+              <a:t>Sampling 6 out of 150</a:t>
+            </a:r>
+          </a:p>
+        </p:txBody>
+      </p:sp>
+    </p:spTree>
+    <p:extLst>
+      <p:ext uri="{BB962C8B-B14F-4D97-AF65-F5344CB8AC3E}">
+        <p14:creationId xmlns:p14="http://schemas.microsoft.com/office/powerpoint/2010/main" val="4052369280"/>
+      </p:ext>
+    </p:extLst>
+  </p:cSld>
+  <p:clrMapOvr>
+    <a:masterClrMapping/>
+  </p:clrMapOvr>
+</p:sld>
+</file>
+
+<file path=ppt/slides/slide5.xml><?xml version="1.0" encoding="utf-8"?>
 <p:sld xmlns:a="http://schemas.openxmlformats.org/drawingml/2006/main" xmlns:r="http://schemas.openxmlformats.org/officeDocument/2006/relationships" xmlns:p="http://schemas.openxmlformats.org/presentationml/2006/main">
   <p:cSld>
     <p:spTree>
@@ -3477,6 +3681,318 @@
     <p:extLst>
       <p:ext uri="{BB962C8B-B14F-4D97-AF65-F5344CB8AC3E}">
         <p14:creationId xmlns:p14="http://schemas.microsoft.com/office/powerpoint/2010/main" val="3407241833"/>
+      </p:ext>
+    </p:extLst>
+  </p:cSld>
+  <p:clrMapOvr>
+    <a:masterClrMapping/>
+  </p:clrMapOvr>
+</p:sld>
+</file>
+
+<file path=ppt/slides/slide6.xml><?xml version="1.0" encoding="utf-8"?>
+<p:sld xmlns:a="http://schemas.openxmlformats.org/drawingml/2006/main" xmlns:r="http://schemas.openxmlformats.org/officeDocument/2006/relationships" xmlns:p="http://schemas.openxmlformats.org/presentationml/2006/main">
+  <p:cSld>
+    <p:spTree>
+      <p:nvGrpSpPr>
+        <p:cNvPr id="1" name=""/>
+        <p:cNvGrpSpPr/>
+        <p:nvPr/>
+      </p:nvGrpSpPr>
+      <p:grpSpPr>
+        <a:xfrm>
+          <a:off x="0" y="0"/>
+          <a:ext cx="0" cy="0"/>
+          <a:chOff x="0" y="0"/>
+          <a:chExt cx="0" cy="0"/>
+        </a:xfrm>
+      </p:grpSpPr>
+      <p:pic>
+        <p:nvPicPr>
+          <p:cNvPr id="4" name="그림 3">
+            <a:extLst>
+              <a:ext uri="{FF2B5EF4-FFF2-40B4-BE49-F238E27FC236}">
+                <a16:creationId xmlns:a16="http://schemas.microsoft.com/office/drawing/2014/main" id="{89098B10-2E81-4322-8988-50AAB0E24A7B}"/>
+              </a:ext>
+            </a:extLst>
+          </p:cNvPr>
+          <p:cNvPicPr>
+            <a:picLocks noChangeAspect="1"/>
+          </p:cNvPicPr>
+          <p:nvPr/>
+        </p:nvPicPr>
+        <p:blipFill>
+          <a:blip r:embed="rId2"/>
+          <a:stretch>
+            <a:fillRect/>
+          </a:stretch>
+        </p:blipFill>
+        <p:spPr>
+          <a:xfrm>
+            <a:off x="1847437" y="1761200"/>
+            <a:ext cx="8497126" cy="3335600"/>
+          </a:xfrm>
+          <a:prstGeom prst="rect">
+            <a:avLst/>
+          </a:prstGeom>
+        </p:spPr>
+      </p:pic>
+      <p:sp>
+        <p:nvSpPr>
+          <p:cNvPr id="2" name="TextBox 1">
+            <a:extLst>
+              <a:ext uri="{FF2B5EF4-FFF2-40B4-BE49-F238E27FC236}">
+                <a16:creationId xmlns:a16="http://schemas.microsoft.com/office/drawing/2014/main" id="{B27C7950-0B7A-F0EF-23CB-EBD7499040E4}"/>
+              </a:ext>
+            </a:extLst>
+          </p:cNvPr>
+          <p:cNvSpPr txBox="1"/>
+          <p:nvPr/>
+        </p:nvSpPr>
+        <p:spPr>
+          <a:xfrm>
+            <a:off x="2941718" y="1666686"/>
+            <a:ext cx="2870337" cy="307777"/>
+          </a:xfrm>
+          <a:prstGeom prst="rect">
+            <a:avLst/>
+          </a:prstGeom>
+          <a:solidFill>
+            <a:schemeClr val="bg1"/>
+          </a:solidFill>
+        </p:spPr>
+        <p:txBody>
+          <a:bodyPr wrap="none" rtlCol="0">
+            <a:spAutoFit/>
+          </a:bodyPr>
+          <a:lstStyle/>
+          <a:p>
+            <a:pPr algn="ctr"/>
+            <a:r>
+              <a:rPr lang="en-US" sz="1400" dirty="0"/>
+              <a:t>Repeating 3 times of Sampling 6</a:t>
+            </a:r>
+          </a:p>
+        </p:txBody>
+      </p:sp>
+      <p:sp>
+        <p:nvSpPr>
+          <p:cNvPr id="3" name="TextBox 2">
+            <a:extLst>
+              <a:ext uri="{FF2B5EF4-FFF2-40B4-BE49-F238E27FC236}">
+                <a16:creationId xmlns:a16="http://schemas.microsoft.com/office/drawing/2014/main" id="{14D5E3A7-D906-7455-AD73-99E5B14329FA}"/>
+              </a:ext>
+            </a:extLst>
+          </p:cNvPr>
+          <p:cNvSpPr txBox="1"/>
+          <p:nvPr/>
+        </p:nvSpPr>
+        <p:spPr>
+          <a:xfrm>
+            <a:off x="7547555" y="1820574"/>
+            <a:ext cx="1061509" cy="215444"/>
+          </a:xfrm>
+          <a:prstGeom prst="rect">
+            <a:avLst/>
+          </a:prstGeom>
+          <a:solidFill>
+            <a:schemeClr val="bg1"/>
+          </a:solidFill>
+        </p:spPr>
+        <p:txBody>
+          <a:bodyPr wrap="none" rtlCol="0">
+            <a:spAutoFit/>
+          </a:bodyPr>
+          <a:lstStyle/>
+          <a:p>
+            <a:pPr algn="ctr"/>
+            <a:r>
+              <a:rPr lang="en-US" sz="800" dirty="0"/>
+              <a:t>First sample group</a:t>
+            </a:r>
+          </a:p>
+        </p:txBody>
+      </p:sp>
+      <p:sp>
+        <p:nvSpPr>
+          <p:cNvPr id="8" name="Rectangle 7">
+            <a:extLst>
+              <a:ext uri="{FF2B5EF4-FFF2-40B4-BE49-F238E27FC236}">
+                <a16:creationId xmlns:a16="http://schemas.microsoft.com/office/drawing/2014/main" id="{F8319906-4F5C-1BD8-CD09-57243B52A161}"/>
+              </a:ext>
+            </a:extLst>
+          </p:cNvPr>
+          <p:cNvSpPr/>
+          <p:nvPr/>
+        </p:nvSpPr>
+        <p:spPr>
+          <a:xfrm>
+            <a:off x="7515427" y="2943225"/>
+            <a:ext cx="1125765" cy="90488"/>
+          </a:xfrm>
+          <a:prstGeom prst="rect">
+            <a:avLst/>
+          </a:prstGeom>
+          <a:solidFill>
+            <a:schemeClr val="bg1"/>
+          </a:solidFill>
+          <a:ln>
+            <a:noFill/>
+          </a:ln>
+        </p:spPr>
+        <p:style>
+          <a:lnRef idx="2">
+            <a:schemeClr val="accent1">
+              <a:shade val="50000"/>
+            </a:schemeClr>
+          </a:lnRef>
+          <a:fillRef idx="1">
+            <a:schemeClr val="accent1"/>
+          </a:fillRef>
+          <a:effectRef idx="0">
+            <a:schemeClr val="accent1"/>
+          </a:effectRef>
+          <a:fontRef idx="minor">
+            <a:schemeClr val="lt1"/>
+          </a:fontRef>
+        </p:style>
+        <p:txBody>
+          <a:bodyPr rtlCol="0" anchor="ctr"/>
+          <a:lstStyle/>
+          <a:p>
+            <a:pPr algn="ctr"/>
+            <a:endParaRPr lang="en-US"/>
+          </a:p>
+        </p:txBody>
+      </p:sp>
+      <p:sp>
+        <p:nvSpPr>
+          <p:cNvPr id="9" name="Rectangle 8">
+            <a:extLst>
+              <a:ext uri="{FF2B5EF4-FFF2-40B4-BE49-F238E27FC236}">
+                <a16:creationId xmlns:a16="http://schemas.microsoft.com/office/drawing/2014/main" id="{FB84744A-5337-3058-BF22-2007522E9A09}"/>
+              </a:ext>
+            </a:extLst>
+          </p:cNvPr>
+          <p:cNvSpPr/>
+          <p:nvPr/>
+        </p:nvSpPr>
+        <p:spPr>
+          <a:xfrm>
+            <a:off x="7515427" y="3941396"/>
+            <a:ext cx="1125765" cy="90488"/>
+          </a:xfrm>
+          <a:prstGeom prst="rect">
+            <a:avLst/>
+          </a:prstGeom>
+          <a:solidFill>
+            <a:schemeClr val="bg1"/>
+          </a:solidFill>
+          <a:ln>
+            <a:noFill/>
+          </a:ln>
+        </p:spPr>
+        <p:style>
+          <a:lnRef idx="2">
+            <a:schemeClr val="accent1">
+              <a:shade val="50000"/>
+            </a:schemeClr>
+          </a:lnRef>
+          <a:fillRef idx="1">
+            <a:schemeClr val="accent1"/>
+          </a:fillRef>
+          <a:effectRef idx="0">
+            <a:schemeClr val="accent1"/>
+          </a:effectRef>
+          <a:fontRef idx="minor">
+            <a:schemeClr val="lt1"/>
+          </a:fontRef>
+        </p:style>
+        <p:txBody>
+          <a:bodyPr rtlCol="0" anchor="ctr"/>
+          <a:lstStyle/>
+          <a:p>
+            <a:pPr algn="ctr"/>
+            <a:endParaRPr lang="en-US"/>
+          </a:p>
+        </p:txBody>
+      </p:sp>
+      <p:sp>
+        <p:nvSpPr>
+          <p:cNvPr id="7" name="TextBox 6">
+            <a:extLst>
+              <a:ext uri="{FF2B5EF4-FFF2-40B4-BE49-F238E27FC236}">
+                <a16:creationId xmlns:a16="http://schemas.microsoft.com/office/drawing/2014/main" id="{A2F2FBAE-A369-3D8D-92D9-E94FE2E77841}"/>
+              </a:ext>
+            </a:extLst>
+          </p:cNvPr>
+          <p:cNvSpPr txBox="1"/>
+          <p:nvPr/>
+        </p:nvSpPr>
+        <p:spPr>
+          <a:xfrm>
+            <a:off x="7498586" y="2880747"/>
+            <a:ext cx="1208985" cy="215444"/>
+          </a:xfrm>
+          <a:prstGeom prst="rect">
+            <a:avLst/>
+          </a:prstGeom>
+          <a:noFill/>
+        </p:spPr>
+        <p:txBody>
+          <a:bodyPr wrap="none" rtlCol="0">
+            <a:spAutoFit/>
+          </a:bodyPr>
+          <a:lstStyle/>
+          <a:p>
+            <a:pPr algn="ctr"/>
+            <a:r>
+              <a:rPr lang="en-US" sz="800" dirty="0"/>
+              <a:t>Second sample group</a:t>
+            </a:r>
+          </a:p>
+        </p:txBody>
+      </p:sp>
+      <p:sp>
+        <p:nvSpPr>
+          <p:cNvPr id="10" name="TextBox 9">
+            <a:extLst>
+              <a:ext uri="{FF2B5EF4-FFF2-40B4-BE49-F238E27FC236}">
+                <a16:creationId xmlns:a16="http://schemas.microsoft.com/office/drawing/2014/main" id="{919B940B-FA0E-E672-54C6-F06BAE7952D3}"/>
+              </a:ext>
+            </a:extLst>
+          </p:cNvPr>
+          <p:cNvSpPr txBox="1"/>
+          <p:nvPr/>
+        </p:nvSpPr>
+        <p:spPr>
+          <a:xfrm>
+            <a:off x="7549883" y="3878918"/>
+            <a:ext cx="1106393" cy="215444"/>
+          </a:xfrm>
+          <a:prstGeom prst="rect">
+            <a:avLst/>
+          </a:prstGeom>
+          <a:noFill/>
+        </p:spPr>
+        <p:txBody>
+          <a:bodyPr wrap="none" rtlCol="0">
+            <a:spAutoFit/>
+          </a:bodyPr>
+          <a:lstStyle/>
+          <a:p>
+            <a:pPr algn="ctr"/>
+            <a:r>
+              <a:rPr lang="en-US" sz="800" dirty="0"/>
+              <a:t>Third sample group</a:t>
+            </a:r>
+          </a:p>
+        </p:txBody>
+      </p:sp>
+    </p:spTree>
+    <p:extLst>
+      <p:ext uri="{BB962C8B-B14F-4D97-AF65-F5344CB8AC3E}">
+        <p14:creationId xmlns:p14="http://schemas.microsoft.com/office/powerpoint/2010/main" val="4181991272"/>
       </p:ext>
     </p:extLst>
   </p:cSld>

--- a/pics/2020-02-12-standard_error/pics.pptx
+++ b/pics/2020-02-12-standard_error/pics.pptx
@@ -11,6 +11,7 @@
     <p:sldId id="260" r:id="rId5"/>
     <p:sldId id="258" r:id="rId6"/>
     <p:sldId id="261" r:id="rId7"/>
+    <p:sldId id="262" r:id="rId8"/>
   </p:sldIdLst>
   <p:sldSz cx="12192000" cy="6858000"/>
   <p:notesSz cx="6858000" cy="9144000"/>
@@ -4002,6 +4003,184 @@
 </p:sld>
 </file>
 
+<file path=ppt/slides/slide7.xml><?xml version="1.0" encoding="utf-8"?>
+<p:sld xmlns:a="http://schemas.openxmlformats.org/drawingml/2006/main" xmlns:r="http://schemas.openxmlformats.org/officeDocument/2006/relationships" xmlns:p="http://schemas.openxmlformats.org/presentationml/2006/main">
+  <p:cSld>
+    <p:spTree>
+      <p:nvGrpSpPr>
+        <p:cNvPr id="1" name=""/>
+        <p:cNvGrpSpPr/>
+        <p:nvPr/>
+      </p:nvGrpSpPr>
+      <p:grpSpPr>
+        <a:xfrm>
+          <a:off x="0" y="0"/>
+          <a:ext cx="0" cy="0"/>
+          <a:chOff x="0" y="0"/>
+          <a:chExt cx="0" cy="0"/>
+        </a:xfrm>
+      </p:grpSpPr>
+      <p:pic>
+        <p:nvPicPr>
+          <p:cNvPr id="5" name="Picture 4">
+            <a:extLst>
+              <a:ext uri="{FF2B5EF4-FFF2-40B4-BE49-F238E27FC236}">
+                <a16:creationId xmlns:a16="http://schemas.microsoft.com/office/drawing/2014/main" id="{7B0114C6-F005-C2FB-525D-A82E57FF86C8}"/>
+              </a:ext>
+            </a:extLst>
+          </p:cNvPr>
+          <p:cNvPicPr>
+            <a:picLocks noChangeAspect="1"/>
+          </p:cNvPicPr>
+          <p:nvPr/>
+        </p:nvPicPr>
+        <p:blipFill>
+          <a:blip r:embed="rId2"/>
+          <a:stretch>
+            <a:fillRect/>
+          </a:stretch>
+        </p:blipFill>
+        <p:spPr>
+          <a:xfrm>
+            <a:off x="0" y="1505393"/>
+            <a:ext cx="12192000" cy="3847213"/>
+          </a:xfrm>
+          <a:prstGeom prst="rect">
+            <a:avLst/>
+          </a:prstGeom>
+        </p:spPr>
+      </p:pic>
+      <p:sp>
+        <p:nvSpPr>
+          <p:cNvPr id="6" name="Arrow: Left-Right 5">
+            <a:extLst>
+              <a:ext uri="{FF2B5EF4-FFF2-40B4-BE49-F238E27FC236}">
+                <a16:creationId xmlns:a16="http://schemas.microsoft.com/office/drawing/2014/main" id="{C2BF1CE0-0498-E631-B15B-1D17220D0A74}"/>
+              </a:ext>
+            </a:extLst>
+          </p:cNvPr>
+          <p:cNvSpPr/>
+          <p:nvPr/>
+        </p:nvSpPr>
+        <p:spPr>
+          <a:xfrm>
+            <a:off x="8324603" y="2719448"/>
+            <a:ext cx="1472540" cy="279979"/>
+          </a:xfrm>
+          <a:prstGeom prst="leftRightArrow">
+            <a:avLst>
+              <a:gd name="adj1" fmla="val 44005"/>
+              <a:gd name="adj2" fmla="val 50000"/>
+            </a:avLst>
+          </a:prstGeom>
+          <a:solidFill>
+            <a:srgbClr val="ED7D31">
+              <a:alpha val="20000"/>
+            </a:srgbClr>
+          </a:solidFill>
+        </p:spPr>
+        <p:style>
+          <a:lnRef idx="2">
+            <a:schemeClr val="accent1">
+              <a:shade val="50000"/>
+            </a:schemeClr>
+          </a:lnRef>
+          <a:fillRef idx="1">
+            <a:schemeClr val="accent1"/>
+          </a:fillRef>
+          <a:effectRef idx="0">
+            <a:schemeClr val="accent1"/>
+          </a:effectRef>
+          <a:fontRef idx="minor">
+            <a:schemeClr val="lt1"/>
+          </a:fontRef>
+        </p:style>
+        <p:txBody>
+          <a:bodyPr rtlCol="0" anchor="ctr"/>
+          <a:lstStyle/>
+          <a:p>
+            <a:pPr algn="ctr"/>
+            <a:endParaRPr lang="en-US"/>
+          </a:p>
+        </p:txBody>
+      </p:sp>
+      <p:sp>
+        <p:nvSpPr>
+          <p:cNvPr id="8" name="TextBox 7">
+            <a:extLst>
+              <a:ext uri="{FF2B5EF4-FFF2-40B4-BE49-F238E27FC236}">
+                <a16:creationId xmlns:a16="http://schemas.microsoft.com/office/drawing/2014/main" id="{305BA692-6DFF-C46C-296C-486E1F73A5B1}"/>
+              </a:ext>
+            </a:extLst>
+          </p:cNvPr>
+          <p:cNvSpPr txBox="1"/>
+          <p:nvPr/>
+        </p:nvSpPr>
+        <p:spPr>
+          <a:xfrm>
+            <a:off x="9685260" y="3154460"/>
+            <a:ext cx="2263022" cy="1021556"/>
+          </a:xfrm>
+          <a:prstGeom prst="roundRect">
+            <a:avLst/>
+          </a:prstGeom>
+          <a:solidFill>
+            <a:srgbClr val="ED7D31"/>
+          </a:solidFill>
+        </p:spPr>
+        <p:txBody>
+          <a:bodyPr wrap="none" rtlCol="0">
+            <a:spAutoFit/>
+          </a:bodyPr>
+          <a:lstStyle/>
+          <a:p>
+            <a:pPr algn="ctr"/>
+            <a:r>
+              <a:rPr lang="en-US" dirty="0">
+                <a:solidFill>
+                  <a:schemeClr val="bg1"/>
+                </a:solidFill>
+              </a:rPr>
+              <a:t>Standard Deviation</a:t>
+            </a:r>
+          </a:p>
+          <a:p>
+            <a:pPr algn="ctr"/>
+            <a:r>
+              <a:rPr lang="en-US" dirty="0">
+                <a:solidFill>
+                  <a:schemeClr val="bg1"/>
+                </a:solidFill>
+              </a:rPr>
+              <a:t>of Sample means</a:t>
+            </a:r>
+          </a:p>
+          <a:p>
+            <a:pPr algn="ctr"/>
+            <a:r>
+              <a:rPr lang="en-US" dirty="0">
+                <a:solidFill>
+                  <a:schemeClr val="bg1"/>
+                </a:solidFill>
+              </a:rPr>
+              <a:t>= Standard Error</a:t>
+            </a:r>
+          </a:p>
+        </p:txBody>
+      </p:sp>
+    </p:spTree>
+    <p:extLst>
+      <p:ext uri="{BB962C8B-B14F-4D97-AF65-F5344CB8AC3E}">
+        <p14:creationId xmlns:p14="http://schemas.microsoft.com/office/powerpoint/2010/main" val="3588050474"/>
+      </p:ext>
+    </p:extLst>
+  </p:cSld>
+  <p:clrMapOvr>
+    <a:masterClrMapping/>
+  </p:clrMapOvr>
+</p:sld>
+</file>
+
 <file path=ppt/theme/theme1.xml><?xml version="1.0" encoding="utf-8"?>
 <a:theme xmlns:a="http://schemas.openxmlformats.org/drawingml/2006/main" name="Office 테마">
   <a:themeElements>
